--- a/InfoSec/PPTs/L3-CH03-User Authentication.pptx
+++ b/InfoSec/PPTs/L3-CH03-User Authentication.pptx
@@ -2051,6 +2051,62 @@
           <a:bodyPr/>
           <a:lstStyle/>
           <a:p>
+            <a:pPr marL="0" marR="0" lvl="0" indent="0" algn="l" defTabSz="914400" rtl="0" eaLnBrk="1" fontAlgn="base" latinLnBrk="0" hangingPunct="1">
+              <a:lnSpc>
+                <a:spcPct val="100000"/>
+              </a:lnSpc>
+              <a:spcBef>
+                <a:spcPct val="30000"/>
+              </a:spcBef>
+              <a:spcAft>
+                <a:spcPct val="0"/>
+              </a:spcAft>
+              <a:buClrTx/>
+              <a:buSzTx/>
+              <a:buFontTx/>
+              <a:buNone/>
+              <a:tabLst/>
+              <a:defRPr/>
+            </a:pPr>
+            <a:r>
+              <a:rPr lang="en-US" dirty="0"/>
+              <a:t>Salt scheme is still important: for multi-server installations which use centralized password management systems to push password hashes to multiple systems, the root account on each individual system may be treated as less trusted than the administrators of the centralized password system, so the shadow password file may be exposed to attackers</a:t>
+            </a:r>
+          </a:p>
+          <a:p>
+            <a:pPr marL="0" marR="0" lvl="0" indent="0" algn="l" defTabSz="914400" rtl="0" eaLnBrk="1" fontAlgn="base" latinLnBrk="0" hangingPunct="1">
+              <a:lnSpc>
+                <a:spcPct val="100000"/>
+              </a:lnSpc>
+              <a:spcBef>
+                <a:spcPct val="30000"/>
+              </a:spcBef>
+              <a:spcAft>
+                <a:spcPct val="0"/>
+              </a:spcAft>
+              <a:buClrTx/>
+              <a:buSzTx/>
+              <a:buFontTx/>
+              <a:buNone/>
+              <a:tabLst/>
+              <a:defRPr/>
+            </a:pPr>
+            <a:r>
+              <a:rPr lang="en-US" dirty="0"/>
+              <a:t>Helps mitigate password attacks</a:t>
+            </a:r>
+          </a:p>
+          <a:p>
+            <a:endParaRPr lang="en-US" sz="1200" b="0" i="0" u="none" strike="noStrike" kern="1200" baseline="0" dirty="0">
+              <a:solidFill>
+                <a:schemeClr val="tx1"/>
+              </a:solidFill>
+              <a:latin typeface="Arial" pitchFamily="-110" charset="0"/>
+              <a:ea typeface="ＭＳ Ｐゴシック" pitchFamily="-110" charset="-128"/>
+              <a:cs typeface="ＭＳ Ｐゴシック" pitchFamily="-110" charset="-128"/>
+            </a:endParaRPr>
+          </a:p>
+          <a:p>
             <a:r>
               <a:rPr lang="en-US" sz="1200" b="0" i="0" u="none" strike="noStrike" kern="1200" baseline="0" dirty="0">
                 <a:solidFill>
@@ -8179,8 +8235,8 @@
         </p:nvSpPr>
         <p:spPr/>
       </p:sp>
-      <mc:AlternateContent xmlns:mc="http://schemas.openxmlformats.org/markup-compatibility/2006">
-        <mc:Choice xmlns:a14="http://schemas.microsoft.com/office/drawing/2010/main" Requires="a14">
+      <mc:AlternateContent xmlns:mc="http://schemas.openxmlformats.org/markup-compatibility/2006" xmlns:a14="http://schemas.microsoft.com/office/drawing/2010/main">
+        <mc:Choice Requires="a14">
           <p:sp>
             <p:nvSpPr>
               <p:cNvPr id="3" name="Notes Placeholder 2"/>
@@ -8842,7 +8898,7 @@
             </p:txBody>
           </p:sp>
         </mc:Choice>
-        <mc:Fallback>
+        <mc:Fallback xmlns="">
           <p:sp>
             <p:nvSpPr>
               <p:cNvPr id="3" name="Notes Placeholder 2"/>
@@ -13138,8 +13194,8 @@
           </a:p>
         </p:txBody>
       </p:sp>
-      <mc:AlternateContent xmlns:mc="http://schemas.openxmlformats.org/markup-compatibility/2006">
-        <mc:Choice xmlns:a14="http://schemas.microsoft.com/office/drawing/2010/main" Requires="a14">
+      <mc:AlternateContent xmlns:mc="http://schemas.openxmlformats.org/markup-compatibility/2006" xmlns:a14="http://schemas.microsoft.com/office/drawing/2010/main">
+        <mc:Choice Requires="a14">
           <p:sp>
             <p:nvSpPr>
               <p:cNvPr id="3" name="Content Placeholder 2">
@@ -13304,7 +13360,7 @@
             </p:txBody>
           </p:sp>
         </mc:Choice>
-        <mc:Fallback>
+        <mc:Fallback xmlns="">
           <p:sp>
             <p:nvSpPr>
               <p:cNvPr id="3" name="Content Placeholder 2">
@@ -14164,29 +14220,98 @@
             <p:ph idx="1"/>
           </p:nvPr>
         </p:nvSpPr>
-        <p:spPr/>
+        <p:spPr>
+          <a:xfrm>
+            <a:off x="0" y="980728"/>
+            <a:ext cx="9101871" cy="2232248"/>
+          </a:xfrm>
+        </p:spPr>
         <p:txBody>
           <a:bodyPr>
-            <a:normAutofit fontScale="85000" lnSpcReduction="20000"/>
+            <a:normAutofit fontScale="55000" lnSpcReduction="20000"/>
           </a:bodyPr>
           <a:lstStyle/>
           <a:p>
             <a:r>
               <a:rPr lang="en-US" dirty="0"/>
-              <a:t>Password hashes are stored in a non-public shadow password file separate from the user IDs, only readable by privileged users, e.g., root.</a:t>
+              <a:t>For added security, password hashes are typically not stored in /</a:t>
+            </a:r>
+            <a:r>
+              <a:rPr lang="en-US" dirty="0" err="1"/>
+              <a:t>etc</a:t>
+            </a:r>
+            <a:r>
+              <a:rPr lang="en-US" dirty="0"/>
+              <a:t>/passwd, but in a separate file /</a:t>
+            </a:r>
+            <a:r>
+              <a:rPr lang="en-US" dirty="0" err="1"/>
+              <a:t>etc</a:t>
+            </a:r>
+            <a:r>
+              <a:rPr lang="en-US" dirty="0"/>
+              <a:t>/shadow, which is only readable by privileged users, e.g., root.</a:t>
             </a:r>
           </a:p>
           <a:p>
             <a:pPr lvl="1"/>
             <a:r>
               <a:rPr lang="en-US" dirty="0"/>
-              <a:t>Helps mitigate password attacks</a:t>
-            </a:r>
-          </a:p>
-          <a:p>
+              <a:t>/</a:t>
+            </a:r>
+            <a:r>
+              <a:rPr lang="en-US" dirty="0" err="1"/>
+              <a:t>etc</a:t>
+            </a:r>
             <a:r>
               <a:rPr lang="en-US" dirty="0"/>
-              <a:t>Salt scheme is still important: for multi-server installations which use centralized password management systems to push password hashes to multiple systems, the root account on each individual system may be treated as less trusted than the administrators of the centralized password system, so the shadow password file may be exposed to attackers</a:t>
+              <a:t>/passwd: row format “User Name : x : User ID : Group ID : Home Dir : Shell”</a:t>
+            </a:r>
+          </a:p>
+          <a:p>
+            <a:pPr lvl="2"/>
+            <a:r>
+              <a:rPr lang="en-US" dirty="0"/>
+              <a:t>2</a:t>
+            </a:r>
+            <a:r>
+              <a:rPr lang="en-US" baseline="30000" dirty="0"/>
+              <a:t>nd</a:t>
+            </a:r>
+            <a:r>
+              <a:rPr lang="en-US" dirty="0"/>
+              <a:t> entry is “x”, indicating that the password hash is stored elsewhere. </a:t>
+            </a:r>
+          </a:p>
+          <a:p>
+            <a:pPr lvl="1"/>
+            <a:r>
+              <a:rPr lang="en-US" dirty="0"/>
+              <a:t>/</a:t>
+            </a:r>
+            <a:r>
+              <a:rPr lang="en-US" dirty="0" err="1"/>
+              <a:t>etc</a:t>
+            </a:r>
+            <a:r>
+              <a:rPr lang="en-US" dirty="0"/>
+              <a:t>/shadow: 2</a:t>
+            </a:r>
+            <a:r>
+              <a:rPr lang="en-US" baseline="30000" dirty="0"/>
+              <a:t>nd</a:t>
+            </a:r>
+            <a:r>
+              <a:rPr lang="en-US" dirty="0"/>
+              <a:t> entry in /</a:t>
+            </a:r>
+            <a:r>
+              <a:rPr lang="en-US" dirty="0" err="1"/>
+              <a:t>etc</a:t>
+            </a:r>
+            <a:r>
+              <a:rPr lang="en-US" dirty="0"/>
+              <a:t>/shadow is either password hash for the User Name, or *, indicating that this user has no password.</a:t>
             </a:r>
           </a:p>
           <a:p>
@@ -14229,6 +14354,36 @@
           </a:p>
         </p:txBody>
       </p:sp>
+      <p:pic>
+        <p:nvPicPr>
+          <p:cNvPr id="5" name="Picture 4">
+            <a:extLst>
+              <a:ext uri="{FF2B5EF4-FFF2-40B4-BE49-F238E27FC236}">
+                <a16:creationId xmlns:a16="http://schemas.microsoft.com/office/drawing/2014/main" id="{18955688-368B-4448-825F-C74CB436D9D1}"/>
+              </a:ext>
+            </a:extLst>
+          </p:cNvPr>
+          <p:cNvPicPr>
+            <a:picLocks noChangeAspect="1"/>
+          </p:cNvPicPr>
+          <p:nvPr/>
+        </p:nvPicPr>
+        <p:blipFill>
+          <a:blip r:embed="rId3"/>
+          <a:stretch>
+            <a:fillRect/>
+          </a:stretch>
+        </p:blipFill>
+        <p:spPr>
+          <a:xfrm>
+            <a:off x="618193" y="2866253"/>
+            <a:ext cx="8274287" cy="3921668"/>
+          </a:xfrm>
+          <a:prstGeom prst="rect">
+            <a:avLst/>
+          </a:prstGeom>
+        </p:spPr>
+      </p:pic>
     </p:spTree>
     <p:extLst>
       <p:ext uri="{BB962C8B-B14F-4D97-AF65-F5344CB8AC3E}">
@@ -17018,8 +17173,8 @@
           </a:p>
         </p:txBody>
       </p:sp>
-      <mc:AlternateContent xmlns:mc="http://schemas.openxmlformats.org/markup-compatibility/2006">
-        <mc:Choice xmlns:a14="http://schemas.microsoft.com/office/drawing/2010/main" Requires="a14">
+      <mc:AlternateContent xmlns:mc="http://schemas.openxmlformats.org/markup-compatibility/2006" xmlns:a14="http://schemas.microsoft.com/office/drawing/2010/main">
+        <mc:Choice Requires="a14">
           <p:sp>
             <p:nvSpPr>
               <p:cNvPr id="3" name="内容占位符 2"/>
@@ -17522,7 +17677,7 @@
             </p:txBody>
           </p:sp>
         </mc:Choice>
-        <mc:Fallback>
+        <mc:Fallback xmlns="">
           <p:sp>
             <p:nvSpPr>
               <p:cNvPr id="3" name="内容占位符 2"/>
@@ -18361,8 +18516,8 @@
           </a:p>
         </p:txBody>
       </p:sp>
-      <mc:AlternateContent xmlns:mc="http://schemas.openxmlformats.org/markup-compatibility/2006">
-        <mc:Choice xmlns:a14="http://schemas.microsoft.com/office/drawing/2010/main" Requires="a14">
+      <mc:AlternateContent xmlns:mc="http://schemas.openxmlformats.org/markup-compatibility/2006" xmlns:a14="http://schemas.microsoft.com/office/drawing/2010/main">
+        <mc:Choice Requires="a14">
           <p:sp>
             <p:nvSpPr>
               <p:cNvPr id="3" name="内容占位符 2"/>
@@ -18747,7 +18902,7 @@
             </p:txBody>
           </p:sp>
         </mc:Choice>
-        <mc:Fallback>
+        <mc:Fallback xmlns="">
           <p:sp>
             <p:nvSpPr>
               <p:cNvPr id="3" name="内容占位符 2"/>
@@ -18847,8 +19002,8 @@
           </a:prstGeom>
         </p:spPr>
       </p:pic>
-      <mc:AlternateContent xmlns:mc="http://schemas.openxmlformats.org/markup-compatibility/2006">
-        <mc:Choice xmlns:a14="http://schemas.microsoft.com/office/drawing/2010/main" Requires="a14">
+      <mc:AlternateContent xmlns:mc="http://schemas.openxmlformats.org/markup-compatibility/2006" xmlns:a14="http://schemas.microsoft.com/office/drawing/2010/main">
+        <mc:Choice Requires="a14">
           <p:sp>
             <p:nvSpPr>
               <p:cNvPr id="5" name="Rectangle 4">
@@ -18931,7 +19086,7 @@
             </p:txBody>
           </p:sp>
         </mc:Choice>
-        <mc:Fallback>
+        <mc:Fallback xmlns="">
           <p:sp>
             <p:nvSpPr>
               <p:cNvPr id="5" name="Rectangle 4">
@@ -19967,8 +20122,8 @@
           </a:p>
         </p:txBody>
       </p:sp>
-      <mc:AlternateContent xmlns:mc="http://schemas.openxmlformats.org/markup-compatibility/2006">
-        <mc:Choice xmlns:a14="http://schemas.microsoft.com/office/drawing/2010/main" Requires="a14">
+      <mc:AlternateContent xmlns:mc="http://schemas.openxmlformats.org/markup-compatibility/2006" xmlns:a14="http://schemas.microsoft.com/office/drawing/2010/main">
+        <mc:Choice Requires="a14">
           <p:sp>
             <p:nvSpPr>
               <p:cNvPr id="3" name="Content Placeholder 2">
@@ -20146,7 +20301,7 @@
             </p:txBody>
           </p:sp>
         </mc:Choice>
-        <mc:Fallback>
+        <mc:Fallback xmlns="">
           <p:sp>
             <p:nvSpPr>
               <p:cNvPr id="3" name="Content Placeholder 2">

--- a/InfoSec/PPTs/L3-CH03-User Authentication.pptx
+++ b/InfoSec/PPTs/L3-CH03-User Authentication.pptx
@@ -14191,7 +14191,12 @@
             <p:ph type="title"/>
           </p:nvPr>
         </p:nvSpPr>
-        <p:spPr/>
+        <p:spPr>
+          <a:xfrm>
+            <a:off x="323528" y="-11592"/>
+            <a:ext cx="8568952" cy="868362"/>
+          </a:xfrm>
+        </p:spPr>
         <p:txBody>
           <a:bodyPr/>
           <a:lstStyle/>
@@ -14222,7 +14227,7 @@
         </p:nvSpPr>
         <p:spPr>
           <a:xfrm>
-            <a:off x="0" y="980728"/>
+            <a:off x="0" y="780496"/>
             <a:ext cx="9101871" cy="2232248"/>
           </a:xfrm>
         </p:spPr>
@@ -14312,6 +14317,37 @@
             <a:r>
               <a:rPr lang="en-US" dirty="0"/>
               <a:t>/shadow is either password hash for the User Name, or *, indicating that this user has no password.</a:t>
+            </a:r>
+          </a:p>
+          <a:p>
+            <a:pPr lvl="2"/>
+            <a:r>
+              <a:rPr lang="en-US" dirty="0"/>
+              <a:t>Command “</a:t>
+            </a:r>
+            <a:r>
+              <a:rPr lang="en-US" dirty="0" err="1"/>
+              <a:t>sudo</a:t>
+            </a:r>
+            <a:r>
+              <a:rPr lang="en-US" dirty="0"/>
+              <a:t> head -5 /</a:t>
+            </a:r>
+            <a:r>
+              <a:rPr lang="en-US" dirty="0" err="1"/>
+              <a:t>etc</a:t>
+            </a:r>
+            <a:r>
+              <a:rPr lang="en-US" dirty="0"/>
+              <a:t>/shadow”: run as root, and display the top 5 lines in /</a:t>
+            </a:r>
+            <a:r>
+              <a:rPr lang="en-US" dirty="0" err="1"/>
+              <a:t>etc</a:t>
+            </a:r>
+            <a:r>
+              <a:rPr lang="en-US" dirty="0"/>
+              <a:t>/shadow.</a:t>
             </a:r>
           </a:p>
           <a:p>
@@ -14376,8 +14412,8 @@
         </p:blipFill>
         <p:spPr>
           <a:xfrm>
-            <a:off x="618193" y="2866253"/>
-            <a:ext cx="8274287" cy="3921668"/>
+            <a:off x="614876" y="3036897"/>
+            <a:ext cx="7914247" cy="3751024"/>
           </a:xfrm>
           <a:prstGeom prst="rect">
             <a:avLst/>

--- a/InfoSec/PPTs/L3-CH03-User Authentication.pptx
+++ b/InfoSec/PPTs/L3-CH03-User Authentication.pptx
@@ -4084,6 +4084,40 @@
         <p:txBody>
           <a:bodyPr/>
           <a:lstStyle/>
+          <a:p>
+            <a:pPr lvl="1"/>
+            <a:r>
+              <a:rPr lang="en-US" dirty="0"/>
+              <a:t>Static: token authenticates the user to the computer.</a:t>
+            </a:r>
+          </a:p>
+          <a:p>
+            <a:pPr lvl="1"/>
+            <a:r>
+              <a:rPr lang="en-US" dirty="0"/>
+              <a:t>Dynamic password generator: the token generates a unique password periodically (e.g., every minute).</a:t>
+            </a:r>
+          </a:p>
+          <a:p>
+            <a:endParaRPr lang="en-US" sz="1200" b="0" i="0" u="none" strike="noStrike" kern="1200" baseline="0" dirty="0">
+              <a:solidFill>
+                <a:schemeClr val="tx1"/>
+              </a:solidFill>
+              <a:latin typeface="Arial" pitchFamily="-110" charset="0"/>
+              <a:ea typeface="ＭＳ Ｐゴシック" pitchFamily="-110" charset="-128"/>
+              <a:cs typeface="ＭＳ Ｐゴシック" pitchFamily="-110" charset="-128"/>
+            </a:endParaRPr>
+          </a:p>
+          <a:p>
+            <a:endParaRPr lang="en-US" sz="1200" b="0" i="0" u="none" strike="noStrike" kern="1200" baseline="0" dirty="0">
+              <a:solidFill>
+                <a:schemeClr val="tx1"/>
+              </a:solidFill>
+              <a:latin typeface="Arial" pitchFamily="-110" charset="0"/>
+              <a:ea typeface="ＭＳ Ｐゴシック" pitchFamily="-110" charset="-128"/>
+              <a:cs typeface="ＭＳ Ｐゴシック" pitchFamily="-110" charset="-128"/>
+            </a:endParaRPr>
+          </a:p>
           <a:p>
             <a:r>
               <a:rPr lang="en-US" sz="1200" b="0" i="0" u="none" strike="noStrike" kern="1200" baseline="0" dirty="0">
@@ -15269,7 +15303,7 @@
         <p:spPr/>
         <p:txBody>
           <a:bodyPr>
-            <a:normAutofit fontScale="77500" lnSpcReduction="20000"/>
+            <a:normAutofit fontScale="92500" lnSpcReduction="10000"/>
           </a:bodyPr>
           <a:lstStyle/>
           <a:p>
@@ -15293,37 +15327,23 @@
           </a:p>
           <a:p>
             <a:r>
+              <a:rPr lang="en-US" altLang="zh-CN"/>
+              <a:t>Typical </a:t>
+            </a:r>
+            <a:r>
+              <a:rPr lang="en-US"/>
+              <a:t>authentication </a:t>
+            </a:r>
+            <a:r>
               <a:rPr lang="en-US" dirty="0"/>
-              <a:t>Authentication protocols:  </a:t>
+              <a:t>protocol:  </a:t>
             </a:r>
           </a:p>
           <a:p>
             <a:pPr lvl="1"/>
             <a:r>
               <a:rPr lang="en-US" dirty="0"/>
-              <a:t>Static: token authenticates the user to the computer.</a:t>
-            </a:r>
-          </a:p>
-          <a:p>
-            <a:pPr lvl="1"/>
-            <a:r>
-              <a:rPr lang="en-US" dirty="0"/>
-              <a:t>Dynamic password generator: the token generates a unique password periodically (e.g., every minute).</a:t>
-            </a:r>
-          </a:p>
-          <a:p>
-            <a:pPr lvl="1"/>
-            <a:r>
-              <a:rPr lang="en-US" dirty="0"/>
-              <a:t>Challenge-response: computer system generates a </a:t>
-            </a:r>
-            <a:r>
-              <a:rPr lang="en-US" dirty="0" err="1"/>
-              <a:t>a</a:t>
-            </a:r>
-            <a:r>
-              <a:rPr lang="en-US" dirty="0"/>
-              <a:t> challenge, e.g., a nonce; the smart card generates a response, e.g., by encrypting the nonce with its private key.</a:t>
+              <a:t>Challenge-response: computer system generates a challenge, e.g., a nonce; the smart card generates a response, e.g., by encrypting the nonce with its private key.</a:t>
             </a:r>
           </a:p>
           <a:p>

--- a/InfoSec/PPTs/L3-CH03-User Authentication.pptx
+++ b/InfoSec/PPTs/L3-CH03-User Authentication.pptx
@@ -15327,23 +15327,19 @@
           </a:p>
           <a:p>
             <a:r>
-              <a:rPr lang="en-US" altLang="zh-CN"/>
-              <a:t>Typical </a:t>
-            </a:r>
+              <a:rPr lang="en-US" dirty="0"/>
+              <a:t>Challenge-response authentication protocol:  </a:t>
+            </a:r>
+          </a:p>
+          <a:p>
+            <a:pPr lvl="1"/>
             <a:r>
               <a:rPr lang="en-US"/>
-              <a:t>authentication </a:t>
+              <a:t>Computer </a:t>
             </a:r>
             <a:r>
               <a:rPr lang="en-US" dirty="0"/>
-              <a:t>protocol:  </a:t>
-            </a:r>
-          </a:p>
-          <a:p>
-            <a:pPr lvl="1"/>
-            <a:r>
-              <a:rPr lang="en-US" dirty="0"/>
-              <a:t>Challenge-response: computer system generates a challenge, e.g., a nonce; the smart card generates a response, e.g., by encrypting the nonce with its private key.</a:t>
+              <a:t>system generates a challenge, e.g., a nonce; the smart card generates a response, e.g., by encrypting the nonce with its private key.</a:t>
             </a:r>
           </a:p>
           <a:p>

--- a/InfoSec/PPTs/L3-CH03-User Authentication.pptx
+++ b/InfoSec/PPTs/L3-CH03-User Authentication.pptx
@@ -341,7 +341,7 @@
             <a:fld id="{999DDEF9-8F79-3F4A-8C1A-CB2E900DCD92}" type="datetimeFigureOut">
               <a:rPr lang="en-US" smtClean="0"/>
               <a:pPr/>
-              <a:t>4/23/2020</a:t>
+              <a:t>5/4/2021</a:t>
             </a:fld>
             <a:endParaRPr lang="en-US"/>
           </a:p>
@@ -12940,7 +12940,15 @@
           <a:p>
             <a:r>
               <a:rPr lang="en-US" dirty="0"/>
-              <a:t>ZJU 2020</a:t>
+              <a:t>ZJU </a:t>
+            </a:r>
+            <a:r>
+              <a:rPr lang="en-US" dirty="0" smtClean="0"/>
+              <a:t>202</a:t>
+            </a:r>
+            <a:r>
+              <a:rPr lang="en-SE" smtClean="0"/>
+              <a:t>1</a:t>
             </a:r>
             <a:endParaRPr lang="en-SE" dirty="0"/>
           </a:p>

--- a/InfoSec/PPTs/L3-CH03-User Authentication.pptx
+++ b/InfoSec/PPTs/L3-CH03-User Authentication.pptx
@@ -341,7 +341,7 @@
             <a:fld id="{999DDEF9-8F79-3F4A-8C1A-CB2E900DCD92}" type="datetimeFigureOut">
               <a:rPr lang="en-US" smtClean="0"/>
               <a:pPr/>
-              <a:t>4/23/2020</a:t>
+              <a:t>5/4/2021</a:t>
             </a:fld>
             <a:endParaRPr lang="en-US"/>
           </a:p>
@@ -12939,8 +12939,8 @@
           <a:lstStyle/>
           <a:p>
             <a:r>
-              <a:rPr lang="en-US" dirty="0"/>
-              <a:t>ZJU 2020</a:t>
+              <a:rPr lang="en-US"/>
+              <a:t>ZJU 2021</a:t>
             </a:r>
             <a:endParaRPr lang="en-SE" dirty="0"/>
           </a:p>

--- a/InfoSec/PPTs/L3-CH03-User Authentication.pptx
+++ b/InfoSec/PPTs/L3-CH03-User Authentication.pptx
@@ -341,7 +341,7 @@
             <a:fld id="{999DDEF9-8F79-3F4A-8C1A-CB2E900DCD92}" type="datetimeFigureOut">
               <a:rPr lang="en-US" smtClean="0"/>
               <a:pPr/>
-              <a:t>5/4/2021</a:t>
+              <a:t>3/24/2022</a:t>
             </a:fld>
             <a:endParaRPr lang="en-US"/>
           </a:p>
@@ -12939,10 +12939,17 @@
           <a:lstStyle/>
           <a:p>
             <a:r>
-              <a:rPr lang="en-US"/>
-              <a:t>ZJU 2021</a:t>
-            </a:r>
-            <a:endParaRPr lang="en-SE" dirty="0"/>
+              <a:rPr lang="en-US" altLang="zh-CN" kern="0" dirty="0"/>
+              <a:t>Zonghua Gu</a:t>
+            </a:r>
+            <a:endParaRPr lang="en-US" kern="0" dirty="0"/>
+          </a:p>
+          <a:p>
+            <a:r>
+              <a:rPr lang="en-US" kern="0" dirty="0"/>
+              <a:t>2018, ZJU</a:t>
+            </a:r>
+            <a:endParaRPr lang="en-SE" kern="0" dirty="0"/>
           </a:p>
         </p:txBody>
       </p:sp>

--- a/InfoSec/PPTs/L3-CH03-User Authentication.pptx
+++ b/InfoSec/PPTs/L3-CH03-User Authentication.pptx
@@ -341,7 +341,7 @@
             <a:fld id="{999DDEF9-8F79-3F4A-8C1A-CB2E900DCD92}" type="datetimeFigureOut">
               <a:rPr lang="en-US" smtClean="0"/>
               <a:pPr/>
-              <a:t>3/24/2022</a:t>
+              <a:t>3/27/2022</a:t>
             </a:fld>
             <a:endParaRPr lang="en-US"/>
           </a:p>
@@ -12946,8 +12946,12 @@
           </a:p>
           <a:p>
             <a:r>
+              <a:rPr lang="en-US" kern="0"/>
+              <a:t>2017, </a:t>
+            </a:r>
+            <a:r>
               <a:rPr lang="en-US" kern="0" dirty="0"/>
-              <a:t>2018, ZJU</a:t>
+              <a:t>ZJU</a:t>
             </a:r>
             <a:endParaRPr lang="en-SE" kern="0" dirty="0"/>
           </a:p>
